--- a/ComputerMath/PPT/第00讲 课程导学.pptx
+++ b/ComputerMath/PPT/第00讲 课程导学.pptx
@@ -233,7 +233,7 @@
           <a:p>
             <a:fld id="{87DCD449-0720-4299-8DE9-69CE28848277}" type="datetimeFigureOut">
               <a:rPr lang="zh-CN" altLang="en-US" smtClean="0"/>
-              <a:t>2020-2-25</a:t>
+              <a:t>2020-3-3</a:t>
             </a:fld>
             <a:endParaRPr lang="zh-CN" altLang="en-US"/>
           </a:p>
@@ -6094,7 +6094,7 @@
                 <a:ea typeface="微软雅黑" panose="020B0503020204020204" pitchFamily="34" charset="-122"/>
                 <a:cs typeface="微软雅黑"/>
               </a:rPr>
-              <a:t>考勤      </a:t>
+              <a:t>考勤   </a:t>
             </a:r>
             <a:r>
               <a:rPr lang="en-US" altLang="zh-CN" sz="2400" b="1" dirty="0">
@@ -6105,7 +6105,7 @@
                 <a:ea typeface="微软雅黑" panose="020B0503020204020204" pitchFamily="34" charset="-122"/>
                 <a:cs typeface="微软雅黑"/>
               </a:rPr>
-              <a:t>+      </a:t>
+              <a:t>+   </a:t>
             </a:r>
             <a:r>
               <a:rPr lang="zh-CN" altLang="en-US" sz="2400" b="1" dirty="0">
@@ -6138,7 +6138,7 @@
                 <a:ea typeface="微软雅黑" panose="020B0503020204020204" pitchFamily="34" charset="-122"/>
                 <a:cs typeface="微软雅黑"/>
               </a:rPr>
-              <a:t>      </a:t>
+              <a:t>   </a:t>
             </a:r>
             <a:r>
               <a:rPr sz="2400" b="1" dirty="0">
@@ -6160,7 +6160,7 @@
                 <a:ea typeface="微软雅黑" panose="020B0503020204020204" pitchFamily="34" charset="-122"/>
                 <a:cs typeface="微软雅黑"/>
               </a:rPr>
-              <a:t>      </a:t>
+              <a:t>   </a:t>
             </a:r>
             <a:r>
               <a:rPr lang="zh-CN" altLang="en-US" sz="2400" b="1" dirty="0">
@@ -6171,7 +6171,7 @@
                 <a:ea typeface="微软雅黑" panose="020B0503020204020204" pitchFamily="34" charset="-122"/>
                 <a:cs typeface="微软雅黑"/>
               </a:rPr>
-              <a:t>课后作业      </a:t>
+              <a:t>课后作业   </a:t>
             </a:r>
             <a:r>
               <a:rPr lang="en-US" altLang="zh-CN" sz="2400" b="1" dirty="0">
@@ -6182,7 +6182,7 @@
                 <a:ea typeface="微软雅黑" panose="020B0503020204020204" pitchFamily="34" charset="-122"/>
                 <a:cs typeface="微软雅黑"/>
               </a:rPr>
-              <a:t>+      </a:t>
+              <a:t>+   </a:t>
             </a:r>
             <a:r>
               <a:rPr lang="zh-CN" altLang="en-US" sz="2400" b="1" dirty="0">
@@ -6193,7 +6193,29 @@
                 <a:ea typeface="微软雅黑" panose="020B0503020204020204" pitchFamily="34" charset="-122"/>
                 <a:cs typeface="微软雅黑"/>
               </a:rPr>
-              <a:t>期末测验</a:t>
+              <a:t>期末测验  </a:t>
+            </a:r>
+            <a:r>
+              <a:rPr lang="en-US" altLang="zh-CN" sz="2400" b="1" dirty="0">
+                <a:solidFill>
+                  <a:srgbClr val="006FC0"/>
+                </a:solidFill>
+                <a:latin typeface="微软雅黑" panose="020B0503020204020204" pitchFamily="34" charset="-122"/>
+                <a:ea typeface="微软雅黑" panose="020B0503020204020204" pitchFamily="34" charset="-122"/>
+                <a:cs typeface="微软雅黑"/>
+              </a:rPr>
+              <a:t>+ </a:t>
+            </a:r>
+            <a:r>
+              <a:rPr lang="zh-CN" altLang="en-US" sz="2400" b="1" dirty="0">
+                <a:solidFill>
+                  <a:srgbClr val="006FC0"/>
+                </a:solidFill>
+                <a:latin typeface="微软雅黑" panose="020B0503020204020204" pitchFamily="34" charset="-122"/>
+                <a:ea typeface="微软雅黑" panose="020B0503020204020204" pitchFamily="34" charset="-122"/>
+                <a:cs typeface="微软雅黑"/>
+              </a:rPr>
+              <a:t>课堂表现</a:t>
             </a:r>
             <a:endParaRPr sz="2400" b="1" dirty="0">
               <a:solidFill>
@@ -6437,7 +6459,7 @@
         </p:nvSpPr>
         <p:spPr>
           <a:xfrm>
-            <a:off x="4833530" y="2390721"/>
+            <a:off x="3653002" y="2393874"/>
             <a:ext cx="1611319" cy="764312"/>
           </a:xfrm>
           <a:prstGeom prst="rect">
@@ -6549,7 +6571,7 @@
         </p:nvSpPr>
         <p:spPr>
           <a:xfrm>
-            <a:off x="7917902" y="1972154"/>
+            <a:off x="6205048" y="2044766"/>
             <a:ext cx="360680" cy="360045"/>
           </a:xfrm>
           <a:custGeom>
@@ -6619,7 +6641,7 @@
         </p:nvSpPr>
         <p:spPr>
           <a:xfrm>
-            <a:off x="5352266" y="1969001"/>
+            <a:off x="4171738" y="2033829"/>
             <a:ext cx="360045" cy="360045"/>
           </a:xfrm>
           <a:custGeom>
@@ -6689,7 +6711,7 @@
         </p:nvSpPr>
         <p:spPr>
           <a:xfrm>
-            <a:off x="2071748" y="2387025"/>
+            <a:off x="1551940" y="2393874"/>
             <a:ext cx="1676400" cy="764312"/>
           </a:xfrm>
           <a:prstGeom prst="rect">
@@ -6801,7 +6823,7 @@
         </p:nvSpPr>
         <p:spPr>
           <a:xfrm>
-            <a:off x="7401837" y="2387025"/>
+            <a:off x="5688983" y="2393874"/>
             <a:ext cx="1392809" cy="764312"/>
           </a:xfrm>
           <a:prstGeom prst="rect">
@@ -6905,7 +6927,7 @@
         </p:nvSpPr>
         <p:spPr>
           <a:xfrm>
-            <a:off x="2729608" y="1965305"/>
+            <a:off x="2209800" y="2017469"/>
             <a:ext cx="360680" cy="360045"/>
           </a:xfrm>
           <a:custGeom>
@@ -7143,6 +7165,207 @@
           </a:p>
         </p:txBody>
       </p:sp>
+      <p:sp>
+        <p:nvSpPr>
+          <p:cNvPr id="13" name="object 12">
+            <a:extLst>
+              <a:ext uri="{FF2B5EF4-FFF2-40B4-BE49-F238E27FC236}">
+                <a16:creationId xmlns:a16="http://schemas.microsoft.com/office/drawing/2014/main" id="{23BCF981-C50C-46EA-809B-BF0D03CCC1D6}"/>
+              </a:ext>
+            </a:extLst>
+          </p:cNvPr>
+          <p:cNvSpPr/>
+          <p:nvPr/>
+        </p:nvSpPr>
+        <p:spPr>
+          <a:xfrm>
+            <a:off x="7924800" y="2017468"/>
+            <a:ext cx="360680" cy="360045"/>
+          </a:xfrm>
+          <a:custGeom>
+            <a:avLst/>
+            <a:gdLst/>
+            <a:ahLst/>
+            <a:cxnLst/>
+            <a:rect l="l" t="t" r="r" b="b"/>
+            <a:pathLst>
+              <a:path w="360680" h="360044">
+                <a:moveTo>
+                  <a:pt x="0" y="179831"/>
+                </a:moveTo>
+                <a:lnTo>
+                  <a:pt x="90170" y="179831"/>
+                </a:lnTo>
+                <a:lnTo>
+                  <a:pt x="90170" y="0"/>
+                </a:lnTo>
+                <a:lnTo>
+                  <a:pt x="270383" y="0"/>
+                </a:lnTo>
+                <a:lnTo>
+                  <a:pt x="270383" y="179831"/>
+                </a:lnTo>
+                <a:lnTo>
+                  <a:pt x="360426" y="179831"/>
+                </a:lnTo>
+                <a:lnTo>
+                  <a:pt x="180212" y="359663"/>
+                </a:lnTo>
+                <a:lnTo>
+                  <a:pt x="0" y="179831"/>
+                </a:lnTo>
+                <a:close/>
+              </a:path>
+            </a:pathLst>
+          </a:custGeom>
+          <a:ln w="25146">
+            <a:solidFill>
+              <a:srgbClr val="FF921A"/>
+            </a:solidFill>
+          </a:ln>
+        </p:spPr>
+        <p:txBody>
+          <a:bodyPr wrap="square" lIns="0" tIns="0" rIns="0" bIns="0" rtlCol="0"/>
+          <a:lstStyle/>
+          <a:p>
+            <a:endParaRPr>
+              <a:latin typeface="微软雅黑" panose="020B0503020204020204" pitchFamily="34" charset="-122"/>
+              <a:ea typeface="微软雅黑" panose="020B0503020204020204" pitchFamily="34" charset="-122"/>
+            </a:endParaRPr>
+          </a:p>
+        </p:txBody>
+      </p:sp>
+      <p:sp>
+        <p:nvSpPr>
+          <p:cNvPr id="14" name="object 16">
+            <a:extLst>
+              <a:ext uri="{FF2B5EF4-FFF2-40B4-BE49-F238E27FC236}">
+                <a16:creationId xmlns:a16="http://schemas.microsoft.com/office/drawing/2014/main" id="{F9A76B64-6204-4B08-A8B1-6C06EB318B33}"/>
+              </a:ext>
+            </a:extLst>
+          </p:cNvPr>
+          <p:cNvSpPr txBox="1"/>
+          <p:nvPr/>
+        </p:nvSpPr>
+        <p:spPr>
+          <a:xfrm>
+            <a:off x="7406260" y="2393874"/>
+            <a:ext cx="1392809" cy="1195199"/>
+          </a:xfrm>
+          <a:prstGeom prst="rect">
+            <a:avLst/>
+          </a:prstGeom>
+        </p:spPr>
+        <p:txBody>
+          <a:bodyPr vert="horz" wrap="square" lIns="0" tIns="165100" rIns="0" bIns="0" rtlCol="0">
+            <a:spAutoFit/>
+          </a:bodyPr>
+          <a:lstStyle/>
+          <a:p>
+            <a:pPr algn="ctr">
+              <a:lnSpc>
+                <a:spcPct val="100000"/>
+              </a:lnSpc>
+              <a:spcBef>
+                <a:spcPts val="1300"/>
+              </a:spcBef>
+            </a:pPr>
+            <a:r>
+              <a:rPr lang="zh-CN" altLang="en-US" sz="1400" b="1" spc="-5" dirty="0">
+                <a:latin typeface="微软雅黑" panose="020B0503020204020204" pitchFamily="34" charset="-122"/>
+                <a:ea typeface="微软雅黑" panose="020B0503020204020204" pitchFamily="34" charset="-122"/>
+                <a:cs typeface="微软雅黑"/>
+              </a:rPr>
+              <a:t>抢答、提问</a:t>
+            </a:r>
+            <a:endParaRPr lang="en-US" altLang="zh-CN" sz="1400" b="1" spc="-5" dirty="0">
+              <a:latin typeface="微软雅黑" panose="020B0503020204020204" pitchFamily="34" charset="-122"/>
+              <a:ea typeface="微软雅黑" panose="020B0503020204020204" pitchFamily="34" charset="-122"/>
+              <a:cs typeface="微软雅黑"/>
+            </a:endParaRPr>
+          </a:p>
+          <a:p>
+            <a:pPr algn="ctr">
+              <a:lnSpc>
+                <a:spcPct val="100000"/>
+              </a:lnSpc>
+              <a:spcBef>
+                <a:spcPts val="1300"/>
+              </a:spcBef>
+            </a:pPr>
+            <a:r>
+              <a:rPr lang="zh-CN" altLang="en-US" sz="1400" b="1" spc="-5" dirty="0">
+                <a:latin typeface="微软雅黑" panose="020B0503020204020204" pitchFamily="34" charset="-122"/>
+                <a:ea typeface="微软雅黑" panose="020B0503020204020204" pitchFamily="34" charset="-122"/>
+                <a:cs typeface="微软雅黑"/>
+              </a:rPr>
+              <a:t>（每次正确</a:t>
+            </a:r>
+            <a:r>
+              <a:rPr lang="en-US" altLang="zh-CN" sz="1400" b="1" spc="-5" dirty="0">
+                <a:solidFill>
+                  <a:srgbClr val="0000FF"/>
+                </a:solidFill>
+                <a:latin typeface="微软雅黑" panose="020B0503020204020204" pitchFamily="34" charset="-122"/>
+                <a:ea typeface="微软雅黑" panose="020B0503020204020204" pitchFamily="34" charset="-122"/>
+                <a:cs typeface="微软雅黑"/>
+              </a:rPr>
+              <a:t>0.2</a:t>
+            </a:r>
+            <a:r>
+              <a:rPr lang="zh-CN" altLang="en-US" sz="1400" b="1" spc="-5" dirty="0">
+                <a:latin typeface="微软雅黑" panose="020B0503020204020204" pitchFamily="34" charset="-122"/>
+                <a:ea typeface="微软雅黑" panose="020B0503020204020204" pitchFamily="34" charset="-122"/>
+                <a:cs typeface="微软雅黑"/>
+              </a:rPr>
+              <a:t>分，参与</a:t>
+            </a:r>
+            <a:r>
+              <a:rPr lang="en-US" altLang="zh-CN" sz="1400" b="1" spc="-5" dirty="0">
+                <a:solidFill>
+                  <a:srgbClr val="0000FF"/>
+                </a:solidFill>
+                <a:latin typeface="微软雅黑" panose="020B0503020204020204" pitchFamily="34" charset="-122"/>
+                <a:ea typeface="微软雅黑" panose="020B0503020204020204" pitchFamily="34" charset="-122"/>
+                <a:cs typeface="微软雅黑"/>
+              </a:rPr>
+              <a:t>0.1</a:t>
+            </a:r>
+            <a:r>
+              <a:rPr lang="zh-CN" altLang="en-US" sz="1400" b="1" spc="-5" dirty="0">
+                <a:latin typeface="微软雅黑" panose="020B0503020204020204" pitchFamily="34" charset="-122"/>
+                <a:ea typeface="微软雅黑" panose="020B0503020204020204" pitchFamily="34" charset="-122"/>
+                <a:cs typeface="微软雅黑"/>
+              </a:rPr>
+              <a:t>分，上限</a:t>
+            </a:r>
+            <a:r>
+              <a:rPr lang="en-US" altLang="zh-CN" sz="1400" b="1" spc="-5" dirty="0">
+                <a:solidFill>
+                  <a:srgbClr val="FF0000"/>
+                </a:solidFill>
+                <a:latin typeface="微软雅黑" panose="020B0503020204020204" pitchFamily="34" charset="-122"/>
+                <a:ea typeface="微软雅黑" panose="020B0503020204020204" pitchFamily="34" charset="-122"/>
+                <a:cs typeface="微软雅黑"/>
+              </a:rPr>
+              <a:t>10</a:t>
+            </a:r>
+            <a:r>
+              <a:rPr lang="zh-CN" altLang="en-US" sz="1400" b="1" spc="-5" dirty="0">
+                <a:latin typeface="微软雅黑" panose="020B0503020204020204" pitchFamily="34" charset="-122"/>
+                <a:ea typeface="微软雅黑" panose="020B0503020204020204" pitchFamily="34" charset="-122"/>
+                <a:cs typeface="微软雅黑"/>
+              </a:rPr>
+              <a:t>分）</a:t>
+            </a:r>
+            <a:endParaRPr sz="1400" dirty="0">
+              <a:latin typeface="微软雅黑" panose="020B0503020204020204" pitchFamily="34" charset="-122"/>
+              <a:ea typeface="微软雅黑" panose="020B0503020204020204" pitchFamily="34" charset="-122"/>
+              <a:cs typeface="微软雅黑"/>
+            </a:endParaRPr>
+          </a:p>
+        </p:txBody>
+      </p:sp>
     </p:spTree>
     <p:extLst>
       <p:ext uri="{BB962C8B-B14F-4D97-AF65-F5344CB8AC3E}">
@@ -7664,7 +7887,7 @@
                             </p:stCondLst>
                             <p:childTnLst>
                               <p:par>
-                                <p:cTn id="48" presetID="42" presetClass="entr" presetSubtype="0" fill="hold" nodeType="clickEffect">
+                                <p:cTn id="48" presetID="22" presetClass="entr" presetSubtype="1" fill="hold" grpId="0" nodeType="clickEffect">
                                   <p:stCondLst>
                                     <p:cond delay="0"/>
                                   </p:stCondLst>
@@ -7677,6 +7900,103 @@
                                           </p:stCondLst>
                                         </p:cTn>
                                         <p:tgtEl>
+                                          <p:spTgt spid="13"/>
+                                        </p:tgtEl>
+                                        <p:attrNameLst>
+                                          <p:attrName>style.visibility</p:attrName>
+                                        </p:attrNameLst>
+                                      </p:cBhvr>
+                                      <p:to>
+                                        <p:strVal val="visible"/>
+                                      </p:to>
+                                    </p:set>
+                                    <p:animEffect transition="in" filter="wipe(up)">
+                                      <p:cBhvr>
+                                        <p:cTn id="50" dur="500"/>
+                                        <p:tgtEl>
+                                          <p:spTgt spid="13"/>
+                                        </p:tgtEl>
+                                      </p:cBhvr>
+                                    </p:animEffect>
+                                  </p:childTnLst>
+                                </p:cTn>
+                              </p:par>
+                            </p:childTnLst>
+                          </p:cTn>
+                        </p:par>
+                        <p:par>
+                          <p:cTn id="51" fill="hold">
+                            <p:stCondLst>
+                              <p:cond delay="500"/>
+                            </p:stCondLst>
+                            <p:childTnLst>
+                              <p:par>
+                                <p:cTn id="52" presetID="10" presetClass="entr" presetSubtype="0" fill="hold" grpId="0" nodeType="afterEffect">
+                                  <p:stCondLst>
+                                    <p:cond delay="0"/>
+                                  </p:stCondLst>
+                                  <p:childTnLst>
+                                    <p:set>
+                                      <p:cBhvr>
+                                        <p:cTn id="53" dur="1" fill="hold">
+                                          <p:stCondLst>
+                                            <p:cond delay="0"/>
+                                          </p:stCondLst>
+                                        </p:cTn>
+                                        <p:tgtEl>
+                                          <p:spTgt spid="14"/>
+                                        </p:tgtEl>
+                                        <p:attrNameLst>
+                                          <p:attrName>style.visibility</p:attrName>
+                                        </p:attrNameLst>
+                                      </p:cBhvr>
+                                      <p:to>
+                                        <p:strVal val="visible"/>
+                                      </p:to>
+                                    </p:set>
+                                    <p:animEffect transition="in" filter="fade">
+                                      <p:cBhvr>
+                                        <p:cTn id="54" dur="500"/>
+                                        <p:tgtEl>
+                                          <p:spTgt spid="14"/>
+                                        </p:tgtEl>
+                                      </p:cBhvr>
+                                    </p:animEffect>
+                                  </p:childTnLst>
+                                </p:cTn>
+                              </p:par>
+                            </p:childTnLst>
+                          </p:cTn>
+                        </p:par>
+                      </p:childTnLst>
+                    </p:cTn>
+                  </p:par>
+                  <p:par>
+                    <p:cTn id="55" fill="hold">
+                      <p:stCondLst>
+                        <p:cond delay="indefinite"/>
+                      </p:stCondLst>
+                      <p:childTnLst>
+                        <p:par>
+                          <p:cTn id="56" fill="hold">
+                            <p:stCondLst>
+                              <p:cond delay="0"/>
+                            </p:stCondLst>
+                            <p:childTnLst>
+                              <p:par>
+                                <p:cTn id="57" presetID="42" presetClass="entr" presetSubtype="0" fill="hold" nodeType="clickEffect">
+                                  <p:stCondLst>
+                                    <p:cond delay="0"/>
+                                  </p:stCondLst>
+                                  <p:childTnLst>
+                                    <p:set>
+                                      <p:cBhvr>
+                                        <p:cTn id="58" dur="1" fill="hold">
+                                          <p:stCondLst>
+                                            <p:cond delay="0"/>
+                                          </p:stCondLst>
+                                        </p:cTn>
+                                        <p:tgtEl>
                                           <p:spTgt spid="21">
                                             <p:txEl>
                                               <p:pRg st="0" end="0"/>
@@ -7693,7 +8013,7 @@
                                     </p:set>
                                     <p:animEffect transition="in" filter="fade">
                                       <p:cBhvr>
-                                        <p:cTn id="50" dur="1000"/>
+                                        <p:cTn id="59" dur="1000"/>
                                         <p:tgtEl>
                                           <p:spTgt spid="21">
                                             <p:txEl>
@@ -7705,7 +8025,7 @@
                                     </p:animEffect>
                                     <p:anim calcmode="lin" valueType="num">
                                       <p:cBhvr>
-                                        <p:cTn id="51" dur="1000" fill="hold"/>
+                                        <p:cTn id="60" dur="1000" fill="hold"/>
                                         <p:tgtEl>
                                           <p:spTgt spid="21">
                                             <p:txEl>
@@ -7732,7 +8052,7 @@
                                     </p:anim>
                                     <p:anim calcmode="lin" valueType="num">
                                       <p:cBhvr>
-                                        <p:cTn id="52" dur="1000" fill="hold"/>
+                                        <p:cTn id="61" dur="1000" fill="hold"/>
                                         <p:tgtEl>
                                           <p:spTgt spid="21">
                                             <p:txEl>
@@ -7767,26 +8087,26 @@
                     </p:cTn>
                   </p:par>
                   <p:par>
-                    <p:cTn id="53" fill="hold">
+                    <p:cTn id="62" fill="hold">
                       <p:stCondLst>
                         <p:cond delay="indefinite"/>
                       </p:stCondLst>
                       <p:childTnLst>
                         <p:par>
-                          <p:cTn id="54" fill="hold">
+                          <p:cTn id="63" fill="hold">
                             <p:stCondLst>
                               <p:cond delay="0"/>
                             </p:stCondLst>
                             <p:childTnLst>
                               <p:par>
-                                <p:cTn id="55" presetID="42" presetClass="entr" presetSubtype="0" fill="hold" nodeType="clickEffect">
+                                <p:cTn id="64" presetID="42" presetClass="entr" presetSubtype="0" fill="hold" nodeType="clickEffect">
                                   <p:stCondLst>
                                     <p:cond delay="0"/>
                                   </p:stCondLst>
                                   <p:childTnLst>
                                     <p:set>
                                       <p:cBhvr>
-                                        <p:cTn id="56" dur="1" fill="hold">
+                                        <p:cTn id="65" dur="1" fill="hold">
                                           <p:stCondLst>
                                             <p:cond delay="0"/>
                                           </p:stCondLst>
@@ -7808,7 +8128,7 @@
                                     </p:set>
                                     <p:animEffect transition="in" filter="fade">
                                       <p:cBhvr>
-                                        <p:cTn id="57" dur="1000"/>
+                                        <p:cTn id="66" dur="1000"/>
                                         <p:tgtEl>
                                           <p:spTgt spid="21">
                                             <p:txEl>
@@ -7820,7 +8140,7 @@
                                     </p:animEffect>
                                     <p:anim calcmode="lin" valueType="num">
                                       <p:cBhvr>
-                                        <p:cTn id="58" dur="1000" fill="hold"/>
+                                        <p:cTn id="67" dur="1000" fill="hold"/>
                                         <p:tgtEl>
                                           <p:spTgt spid="21">
                                             <p:txEl>
@@ -7847,7 +8167,7 @@
                                     </p:anim>
                                     <p:anim calcmode="lin" valueType="num">
                                       <p:cBhvr>
-                                        <p:cTn id="59" dur="1000" fill="hold"/>
+                                        <p:cTn id="68" dur="1000" fill="hold"/>
                                         <p:tgtEl>
                                           <p:spTgt spid="21">
                                             <p:txEl>
@@ -7912,6 +8232,8 @@
       <p:bldP spid="29" grpId="0" animBg="1"/>
       <p:bldP spid="30" grpId="0"/>
       <p:bldP spid="31" grpId="0" animBg="1"/>
+      <p:bldP spid="13" grpId="0" animBg="1"/>
+      <p:bldP spid="14" grpId="0"/>
     </p:bldLst>
   </p:timing>
 </p:sld>
